--- a/Images/Figures_PPT/ComponentsSARPieChart.pptx
+++ b/Images/Figures_PPT/ComponentsSARPieChart.pptx
@@ -2299,122 +2299,122 @@
           <p:spPr>
             <a:xfrm>
               <a:off x="5486400" y="1749568"/>
-              <a:ext cx="734328" cy="2473613"/>
+              <a:ext cx="731927" cy="2473613"/>
             </a:xfrm>
             <a:custGeom>
               <a:avLst/>
               <a:pathLst>
-                <a:path w="734328" h="2473613">
+                <a:path w="731927" h="2473613">
                   <a:moveTo>
                     <a:pt x="0" y="2473613"/>
                   </a:moveTo>
                   <a:lnTo>
-                    <a:pt x="25321" y="2392162"/>
-                  </a:lnTo>
-                  <a:lnTo>
-                    <a:pt x="50643" y="2310710"/>
-                  </a:lnTo>
-                  <a:lnTo>
-                    <a:pt x="75964" y="2229258"/>
-                  </a:lnTo>
-                  <a:lnTo>
-                    <a:pt x="101286" y="2147806"/>
-                  </a:lnTo>
-                  <a:lnTo>
-                    <a:pt x="126608" y="2066354"/>
-                  </a:lnTo>
-                  <a:lnTo>
-                    <a:pt x="151929" y="1984903"/>
-                  </a:lnTo>
-                  <a:lnTo>
-                    <a:pt x="177251" y="1903451"/>
-                  </a:lnTo>
-                  <a:lnTo>
-                    <a:pt x="202573" y="1821999"/>
-                  </a:lnTo>
-                  <a:lnTo>
-                    <a:pt x="227894" y="1740547"/>
-                  </a:lnTo>
-                  <a:lnTo>
-                    <a:pt x="253216" y="1659095"/>
-                  </a:lnTo>
-                  <a:lnTo>
-                    <a:pt x="278538" y="1577644"/>
-                  </a:lnTo>
-                  <a:lnTo>
-                    <a:pt x="303859" y="1496192"/>
-                  </a:lnTo>
-                  <a:lnTo>
-                    <a:pt x="329181" y="1414740"/>
-                  </a:lnTo>
-                  <a:lnTo>
-                    <a:pt x="354503" y="1333288"/>
-                  </a:lnTo>
-                  <a:lnTo>
-                    <a:pt x="379824" y="1251836"/>
-                  </a:lnTo>
-                  <a:lnTo>
-                    <a:pt x="405146" y="1170384"/>
-                  </a:lnTo>
-                  <a:lnTo>
-                    <a:pt x="430468" y="1088933"/>
-                  </a:lnTo>
-                  <a:lnTo>
-                    <a:pt x="455789" y="1007481"/>
-                  </a:lnTo>
-                  <a:lnTo>
-                    <a:pt x="481111" y="926029"/>
-                  </a:lnTo>
-                  <a:lnTo>
-                    <a:pt x="506433" y="844577"/>
-                  </a:lnTo>
-                  <a:lnTo>
-                    <a:pt x="531754" y="763125"/>
-                  </a:lnTo>
-                  <a:lnTo>
-                    <a:pt x="557076" y="681674"/>
-                  </a:lnTo>
-                  <a:lnTo>
-                    <a:pt x="582398" y="600222"/>
-                  </a:lnTo>
-                  <a:lnTo>
-                    <a:pt x="607719" y="518770"/>
-                  </a:lnTo>
-                  <a:lnTo>
-                    <a:pt x="633041" y="437318"/>
-                  </a:lnTo>
-                  <a:lnTo>
-                    <a:pt x="658363" y="355866"/>
-                  </a:lnTo>
-                  <a:lnTo>
-                    <a:pt x="683684" y="274415"/>
-                  </a:lnTo>
-                  <a:lnTo>
-                    <a:pt x="709006" y="192963"/>
-                  </a:lnTo>
-                  <a:lnTo>
-                    <a:pt x="734328" y="111511"/>
-                  </a:lnTo>
-                  <a:lnTo>
-                    <a:pt x="644833" y="85527"/>
-                  </a:lnTo>
-                  <a:lnTo>
-                    <a:pt x="554423" y="62933"/>
-                  </a:lnTo>
-                  <a:lnTo>
-                    <a:pt x="463227" y="43760"/>
-                  </a:lnTo>
-                  <a:lnTo>
-                    <a:pt x="371373" y="28036"/>
-                  </a:lnTo>
-                  <a:lnTo>
-                    <a:pt x="278992" y="15783"/>
-                  </a:lnTo>
-                  <a:lnTo>
-                    <a:pt x="186215" y="7019"/>
-                  </a:lnTo>
-                  <a:lnTo>
-                    <a:pt x="93173" y="1755"/>
+                    <a:pt x="25238" y="2392136"/>
+                  </a:lnTo>
+                  <a:lnTo>
+                    <a:pt x="50477" y="2310658"/>
+                  </a:lnTo>
+                  <a:lnTo>
+                    <a:pt x="75716" y="2229181"/>
+                  </a:lnTo>
+                  <a:lnTo>
+                    <a:pt x="100955" y="2147703"/>
+                  </a:lnTo>
+                  <a:lnTo>
+                    <a:pt x="126194" y="2066226"/>
+                  </a:lnTo>
+                  <a:lnTo>
+                    <a:pt x="151433" y="1984748"/>
+                  </a:lnTo>
+                  <a:lnTo>
+                    <a:pt x="176672" y="1903271"/>
+                  </a:lnTo>
+                  <a:lnTo>
+                    <a:pt x="201911" y="1821793"/>
+                  </a:lnTo>
+                  <a:lnTo>
+                    <a:pt x="227149" y="1740316"/>
+                  </a:lnTo>
+                  <a:lnTo>
+                    <a:pt x="252388" y="1658838"/>
+                  </a:lnTo>
+                  <a:lnTo>
+                    <a:pt x="277627" y="1577361"/>
+                  </a:lnTo>
+                  <a:lnTo>
+                    <a:pt x="302866" y="1495883"/>
+                  </a:lnTo>
+                  <a:lnTo>
+                    <a:pt x="328105" y="1414406"/>
+                  </a:lnTo>
+                  <a:lnTo>
+                    <a:pt x="353344" y="1332928"/>
+                  </a:lnTo>
+                  <a:lnTo>
+                    <a:pt x="378583" y="1251451"/>
+                  </a:lnTo>
+                  <a:lnTo>
+                    <a:pt x="403822" y="1169973"/>
+                  </a:lnTo>
+                  <a:lnTo>
+                    <a:pt x="429061" y="1088496"/>
+                  </a:lnTo>
+                  <a:lnTo>
+                    <a:pt x="454299" y="1007018"/>
+                  </a:lnTo>
+                  <a:lnTo>
+                    <a:pt x="479538" y="925541"/>
+                  </a:lnTo>
+                  <a:lnTo>
+                    <a:pt x="504777" y="844063"/>
+                  </a:lnTo>
+                  <a:lnTo>
+                    <a:pt x="530016" y="762586"/>
+                  </a:lnTo>
+                  <a:lnTo>
+                    <a:pt x="555255" y="681109"/>
+                  </a:lnTo>
+                  <a:lnTo>
+                    <a:pt x="580494" y="599631"/>
+                  </a:lnTo>
+                  <a:lnTo>
+                    <a:pt x="605733" y="518154"/>
+                  </a:lnTo>
+                  <a:lnTo>
+                    <a:pt x="630972" y="436676"/>
+                  </a:lnTo>
+                  <a:lnTo>
+                    <a:pt x="656210" y="355199"/>
+                  </a:lnTo>
+                  <a:lnTo>
+                    <a:pt x="681449" y="273721"/>
+                  </a:lnTo>
+                  <a:lnTo>
+                    <a:pt x="706688" y="192244"/>
+                  </a:lnTo>
+                  <a:lnTo>
+                    <a:pt x="731927" y="110766"/>
+                  </a:lnTo>
+                  <a:lnTo>
+                    <a:pt x="642710" y="84955"/>
+                  </a:lnTo>
+                  <a:lnTo>
+                    <a:pt x="552586" y="62511"/>
+                  </a:lnTo>
+                  <a:lnTo>
+                    <a:pt x="461684" y="43467"/>
+                  </a:lnTo>
+                  <a:lnTo>
+                    <a:pt x="370130" y="27848"/>
+                  </a:lnTo>
+                  <a:lnTo>
+                    <a:pt x="278055" y="15677"/>
+                  </a:lnTo>
+                  <a:lnTo>
+                    <a:pt x="185588" y="6971"/>
+                  </a:lnTo>
+                  <a:lnTo>
+                    <a:pt x="92859" y="1743"/>
                   </a:lnTo>
                   <a:lnTo>
                     <a:pt x="0" y="0"/>
@@ -2536,249 +2536,243 @@
           </p:nvSpPr>
           <p:spPr>
             <a:xfrm>
-              <a:off x="5486400" y="1861080"/>
-              <a:ext cx="2107978" cy="2362102"/>
+              <a:off x="5486400" y="1860335"/>
+              <a:ext cx="2013857" cy="2362847"/>
             </a:xfrm>
             <a:custGeom>
               <a:avLst/>
               <a:pathLst>
-                <a:path w="2107978" h="2362102">
+                <a:path w="2013857" h="2362847">
                   <a:moveTo>
-                    <a:pt x="0" y="2362102"/>
+                    <a:pt x="0" y="2362847"/>
                   </a:moveTo>
                   <a:lnTo>
-                    <a:pt x="72688" y="2317471"/>
-                  </a:lnTo>
-                  <a:lnTo>
-                    <a:pt x="145377" y="2272840"/>
-                  </a:lnTo>
-                  <a:lnTo>
-                    <a:pt x="218066" y="2228210"/>
-                  </a:lnTo>
-                  <a:lnTo>
-                    <a:pt x="290755" y="2183579"/>
-                  </a:lnTo>
-                  <a:lnTo>
-                    <a:pt x="363444" y="2138948"/>
-                  </a:lnTo>
-                  <a:lnTo>
-                    <a:pt x="436133" y="2094317"/>
-                  </a:lnTo>
-                  <a:lnTo>
-                    <a:pt x="508822" y="2049686"/>
-                  </a:lnTo>
-                  <a:lnTo>
-                    <a:pt x="581511" y="2005056"/>
-                  </a:lnTo>
-                  <a:lnTo>
-                    <a:pt x="654200" y="1960425"/>
-                  </a:lnTo>
-                  <a:lnTo>
-                    <a:pt x="726888" y="1915794"/>
-                  </a:lnTo>
-                  <a:lnTo>
-                    <a:pt x="799577" y="1871163"/>
-                  </a:lnTo>
-                  <a:lnTo>
-                    <a:pt x="872266" y="1826532"/>
-                  </a:lnTo>
-                  <a:lnTo>
-                    <a:pt x="944955" y="1781902"/>
-                  </a:lnTo>
-                  <a:lnTo>
-                    <a:pt x="1017644" y="1737271"/>
-                  </a:lnTo>
-                  <a:lnTo>
-                    <a:pt x="1090333" y="1692640"/>
-                  </a:lnTo>
-                  <a:lnTo>
-                    <a:pt x="1163022" y="1648009"/>
-                  </a:lnTo>
-                  <a:lnTo>
-                    <a:pt x="1235711" y="1603379"/>
-                  </a:lnTo>
-                  <a:lnTo>
-                    <a:pt x="1308400" y="1558748"/>
-                  </a:lnTo>
-                  <a:lnTo>
-                    <a:pt x="1381089" y="1514117"/>
-                  </a:lnTo>
-                  <a:lnTo>
-                    <a:pt x="1453777" y="1469486"/>
-                  </a:lnTo>
-                  <a:lnTo>
-                    <a:pt x="1526466" y="1424855"/>
-                  </a:lnTo>
-                  <a:lnTo>
-                    <a:pt x="1599155" y="1380225"/>
-                  </a:lnTo>
-                  <a:lnTo>
-                    <a:pt x="1671844" y="1335594"/>
-                  </a:lnTo>
-                  <a:lnTo>
-                    <a:pt x="1744533" y="1290963"/>
-                  </a:lnTo>
-                  <a:lnTo>
-                    <a:pt x="1817222" y="1246332"/>
-                  </a:lnTo>
-                  <a:lnTo>
-                    <a:pt x="1889911" y="1201701"/>
-                  </a:lnTo>
-                  <a:lnTo>
-                    <a:pt x="1962600" y="1157071"/>
-                  </a:lnTo>
-                  <a:lnTo>
-                    <a:pt x="2035289" y="1112440"/>
-                  </a:lnTo>
-                  <a:lnTo>
-                    <a:pt x="2107978" y="1067809"/>
-                  </a:lnTo>
-                  <a:lnTo>
-                    <a:pt x="2062454" y="996434"/>
-                  </a:lnTo>
-                  <a:lnTo>
-                    <a:pt x="2014514" y="926658"/>
-                  </a:lnTo>
-                  <a:lnTo>
-                    <a:pt x="1964214" y="858564"/>
-                  </a:lnTo>
-                  <a:lnTo>
-                    <a:pt x="1911614" y="792231"/>
-                  </a:lnTo>
-                  <a:lnTo>
-                    <a:pt x="1856775" y="727737"/>
-                  </a:lnTo>
-                  <a:lnTo>
-                    <a:pt x="1799762" y="665157"/>
-                  </a:lnTo>
-                  <a:lnTo>
-                    <a:pt x="1740640" y="604565"/>
-                  </a:lnTo>
-                  <a:lnTo>
-                    <a:pt x="1679479" y="546031"/>
-                  </a:lnTo>
-                  <a:lnTo>
-                    <a:pt x="1616351" y="489624"/>
-                  </a:lnTo>
-                  <a:lnTo>
-                    <a:pt x="1551330" y="435411"/>
-                  </a:lnTo>
-                  <a:lnTo>
-                    <a:pt x="1484492" y="383454"/>
-                  </a:lnTo>
-                  <a:lnTo>
-                    <a:pt x="1415915" y="333815"/>
-                  </a:lnTo>
-                  <a:lnTo>
-                    <a:pt x="1345680" y="286551"/>
-                  </a:lnTo>
-                  <a:lnTo>
-                    <a:pt x="1273868" y="241719"/>
-                  </a:lnTo>
-                  <a:lnTo>
-                    <a:pt x="1200565" y="199370"/>
-                  </a:lnTo>
-                  <a:lnTo>
-                    <a:pt x="1125855" y="159555"/>
-                  </a:lnTo>
-                  <a:lnTo>
-                    <a:pt x="1049826" y="122319"/>
-                  </a:lnTo>
-                  <a:lnTo>
-                    <a:pt x="972568" y="87706"/>
-                  </a:lnTo>
-                  <a:lnTo>
-                    <a:pt x="894171" y="55758"/>
-                  </a:lnTo>
-                  <a:lnTo>
-                    <a:pt x="814726" y="26511"/>
-                  </a:lnTo>
-                  <a:lnTo>
-                    <a:pt x="734328" y="0"/>
-                  </a:lnTo>
-                  <a:lnTo>
-                    <a:pt x="709006" y="81451"/>
-                  </a:lnTo>
-                  <a:lnTo>
-                    <a:pt x="683684" y="162903"/>
-                  </a:lnTo>
-                  <a:lnTo>
-                    <a:pt x="658363" y="244355"/>
-                  </a:lnTo>
-                  <a:lnTo>
-                    <a:pt x="633041" y="325807"/>
-                  </a:lnTo>
-                  <a:lnTo>
-                    <a:pt x="607719" y="407259"/>
-                  </a:lnTo>
-                  <a:lnTo>
-                    <a:pt x="582398" y="488710"/>
-                  </a:lnTo>
-                  <a:lnTo>
-                    <a:pt x="557076" y="570162"/>
-                  </a:lnTo>
-                  <a:lnTo>
-                    <a:pt x="531754" y="651614"/>
-                  </a:lnTo>
-                  <a:lnTo>
-                    <a:pt x="506433" y="733066"/>
-                  </a:lnTo>
-                  <a:lnTo>
-                    <a:pt x="481111" y="814518"/>
-                  </a:lnTo>
-                  <a:lnTo>
-                    <a:pt x="455789" y="895969"/>
-                  </a:lnTo>
-                  <a:lnTo>
-                    <a:pt x="430468" y="977421"/>
-                  </a:lnTo>
-                  <a:lnTo>
-                    <a:pt x="405146" y="1058873"/>
-                  </a:lnTo>
-                  <a:lnTo>
-                    <a:pt x="379824" y="1140325"/>
-                  </a:lnTo>
-                  <a:lnTo>
-                    <a:pt x="354503" y="1221777"/>
-                  </a:lnTo>
-                  <a:lnTo>
-                    <a:pt x="329181" y="1303228"/>
-                  </a:lnTo>
-                  <a:lnTo>
-                    <a:pt x="303859" y="1384680"/>
-                  </a:lnTo>
-                  <a:lnTo>
-                    <a:pt x="278538" y="1466132"/>
-                  </a:lnTo>
-                  <a:lnTo>
-                    <a:pt x="253216" y="1547584"/>
-                  </a:lnTo>
-                  <a:lnTo>
-                    <a:pt x="227894" y="1629036"/>
-                  </a:lnTo>
-                  <a:lnTo>
-                    <a:pt x="202573" y="1710488"/>
-                  </a:lnTo>
-                  <a:lnTo>
-                    <a:pt x="177251" y="1791939"/>
-                  </a:lnTo>
-                  <a:lnTo>
-                    <a:pt x="151929" y="1873391"/>
-                  </a:lnTo>
-                  <a:lnTo>
-                    <a:pt x="126608" y="1954843"/>
-                  </a:lnTo>
-                  <a:lnTo>
-                    <a:pt x="101286" y="2036295"/>
-                  </a:lnTo>
-                  <a:lnTo>
-                    <a:pt x="75964" y="2117747"/>
-                  </a:lnTo>
-                  <a:lnTo>
-                    <a:pt x="50643" y="2199198"/>
-                  </a:lnTo>
-                  <a:lnTo>
-                    <a:pt x="25321" y="2280650"/>
+                    <a:pt x="69443" y="2313317"/>
+                  </a:lnTo>
+                  <a:lnTo>
+                    <a:pt x="138886" y="2263787"/>
+                  </a:lnTo>
+                  <a:lnTo>
+                    <a:pt x="208330" y="2214257"/>
+                  </a:lnTo>
+                  <a:lnTo>
+                    <a:pt x="277773" y="2164728"/>
+                  </a:lnTo>
+                  <a:lnTo>
+                    <a:pt x="347216" y="2115198"/>
+                  </a:lnTo>
+                  <a:lnTo>
+                    <a:pt x="416660" y="2065668"/>
+                  </a:lnTo>
+                  <a:lnTo>
+                    <a:pt x="486103" y="2016138"/>
+                  </a:lnTo>
+                  <a:lnTo>
+                    <a:pt x="555546" y="1966608"/>
+                  </a:lnTo>
+                  <a:lnTo>
+                    <a:pt x="624990" y="1917078"/>
+                  </a:lnTo>
+                  <a:lnTo>
+                    <a:pt x="694433" y="1867549"/>
+                  </a:lnTo>
+                  <a:lnTo>
+                    <a:pt x="763876" y="1818019"/>
+                  </a:lnTo>
+                  <a:lnTo>
+                    <a:pt x="833320" y="1768489"/>
+                  </a:lnTo>
+                  <a:lnTo>
+                    <a:pt x="902763" y="1718959"/>
+                  </a:lnTo>
+                  <a:lnTo>
+                    <a:pt x="972207" y="1669429"/>
+                  </a:lnTo>
+                  <a:lnTo>
+                    <a:pt x="1041650" y="1619900"/>
+                  </a:lnTo>
+                  <a:lnTo>
+                    <a:pt x="1111093" y="1570370"/>
+                  </a:lnTo>
+                  <a:lnTo>
+                    <a:pt x="1180537" y="1520840"/>
+                  </a:lnTo>
+                  <a:lnTo>
+                    <a:pt x="1249980" y="1471310"/>
+                  </a:lnTo>
+                  <a:lnTo>
+                    <a:pt x="1319423" y="1421780"/>
+                  </a:lnTo>
+                  <a:lnTo>
+                    <a:pt x="1388867" y="1372250"/>
+                  </a:lnTo>
+                  <a:lnTo>
+                    <a:pt x="1458310" y="1322721"/>
+                  </a:lnTo>
+                  <a:lnTo>
+                    <a:pt x="1527753" y="1273191"/>
+                  </a:lnTo>
+                  <a:lnTo>
+                    <a:pt x="1597197" y="1223661"/>
+                  </a:lnTo>
+                  <a:lnTo>
+                    <a:pt x="1666640" y="1174131"/>
+                  </a:lnTo>
+                  <a:lnTo>
+                    <a:pt x="1736083" y="1124601"/>
+                  </a:lnTo>
+                  <a:lnTo>
+                    <a:pt x="1805527" y="1075071"/>
+                  </a:lnTo>
+                  <a:lnTo>
+                    <a:pt x="1874970" y="1025542"/>
+                  </a:lnTo>
+                  <a:lnTo>
+                    <a:pt x="1944414" y="976012"/>
+                  </a:lnTo>
+                  <a:lnTo>
+                    <a:pt x="2013857" y="926482"/>
+                  </a:lnTo>
+                  <a:lnTo>
+                    <a:pt x="1963482" y="858353"/>
+                  </a:lnTo>
+                  <a:lnTo>
+                    <a:pt x="1910804" y="791990"/>
+                  </a:lnTo>
+                  <a:lnTo>
+                    <a:pt x="1855883" y="727469"/>
+                  </a:lnTo>
+                  <a:lnTo>
+                    <a:pt x="1798785" y="664867"/>
+                  </a:lnTo>
+                  <a:lnTo>
+                    <a:pt x="1739577" y="604258"/>
+                  </a:lnTo>
+                  <a:lnTo>
+                    <a:pt x="1678328" y="545712"/>
+                  </a:lnTo>
+                  <a:lnTo>
+                    <a:pt x="1615109" y="489297"/>
+                  </a:lnTo>
+                  <a:lnTo>
+                    <a:pt x="1549995" y="435082"/>
+                  </a:lnTo>
+                  <a:lnTo>
+                    <a:pt x="1483063" y="383128"/>
+                  </a:lnTo>
+                  <a:lnTo>
+                    <a:pt x="1414391" y="333496"/>
+                  </a:lnTo>
+                  <a:lnTo>
+                    <a:pt x="1344059" y="286246"/>
+                  </a:lnTo>
+                  <a:lnTo>
+                    <a:pt x="1272150" y="241432"/>
+                  </a:lnTo>
+                  <a:lnTo>
+                    <a:pt x="1198748" y="199108"/>
+                  </a:lnTo>
+                  <a:lnTo>
+                    <a:pt x="1123940" y="159322"/>
+                  </a:lnTo>
+                  <a:lnTo>
+                    <a:pt x="1047814" y="122121"/>
+                  </a:lnTo>
+                  <a:lnTo>
+                    <a:pt x="970458" y="87550"/>
+                  </a:lnTo>
+                  <a:lnTo>
+                    <a:pt x="891963" y="55648"/>
+                  </a:lnTo>
+                  <a:lnTo>
+                    <a:pt x="812422" y="26453"/>
+                  </a:lnTo>
+                  <a:lnTo>
+                    <a:pt x="731927" y="0"/>
+                  </a:lnTo>
+                  <a:lnTo>
+                    <a:pt x="706688" y="81477"/>
+                  </a:lnTo>
+                  <a:lnTo>
+                    <a:pt x="681449" y="162954"/>
+                  </a:lnTo>
+                  <a:lnTo>
+                    <a:pt x="656210" y="244432"/>
+                  </a:lnTo>
+                  <a:lnTo>
+                    <a:pt x="630972" y="325909"/>
+                  </a:lnTo>
+                  <a:lnTo>
+                    <a:pt x="605733" y="407387"/>
+                  </a:lnTo>
+                  <a:lnTo>
+                    <a:pt x="580494" y="488864"/>
+                  </a:lnTo>
+                  <a:lnTo>
+                    <a:pt x="555255" y="570342"/>
+                  </a:lnTo>
+                  <a:lnTo>
+                    <a:pt x="530016" y="651819"/>
+                  </a:lnTo>
+                  <a:lnTo>
+                    <a:pt x="504777" y="733297"/>
+                  </a:lnTo>
+                  <a:lnTo>
+                    <a:pt x="479538" y="814774"/>
+                  </a:lnTo>
+                  <a:lnTo>
+                    <a:pt x="454299" y="896252"/>
+                  </a:lnTo>
+                  <a:lnTo>
+                    <a:pt x="429061" y="977729"/>
+                  </a:lnTo>
+                  <a:lnTo>
+                    <a:pt x="403822" y="1059207"/>
+                  </a:lnTo>
+                  <a:lnTo>
+                    <a:pt x="378583" y="1140684"/>
+                  </a:lnTo>
+                  <a:lnTo>
+                    <a:pt x="353344" y="1222162"/>
+                  </a:lnTo>
+                  <a:lnTo>
+                    <a:pt x="328105" y="1303639"/>
+                  </a:lnTo>
+                  <a:lnTo>
+                    <a:pt x="302866" y="1385117"/>
+                  </a:lnTo>
+                  <a:lnTo>
+                    <a:pt x="277627" y="1466594"/>
+                  </a:lnTo>
+                  <a:lnTo>
+                    <a:pt x="252388" y="1548072"/>
+                  </a:lnTo>
+                  <a:lnTo>
+                    <a:pt x="227149" y="1629549"/>
+                  </a:lnTo>
+                  <a:lnTo>
+                    <a:pt x="201911" y="1711027"/>
+                  </a:lnTo>
+                  <a:lnTo>
+                    <a:pt x="176672" y="1792504"/>
+                  </a:lnTo>
+                  <a:lnTo>
+                    <a:pt x="151433" y="1873982"/>
+                  </a:lnTo>
+                  <a:lnTo>
+                    <a:pt x="126194" y="1955459"/>
+                  </a:lnTo>
+                  <a:lnTo>
+                    <a:pt x="100955" y="2036937"/>
+                  </a:lnTo>
+                  <a:lnTo>
+                    <a:pt x="75716" y="2118414"/>
+                  </a:lnTo>
+                  <a:lnTo>
+                    <a:pt x="50477" y="2199892"/>
+                  </a:lnTo>
+                  <a:lnTo>
+                    <a:pt x="25238" y="2281369"/>
                   </a:lnTo>
                   <a:close/>
                 </a:path>
@@ -2813,393 +2807,399 @@
           </p:nvSpPr>
           <p:spPr>
             <a:xfrm>
-              <a:off x="4945958" y="2928889"/>
-              <a:ext cx="3013983" cy="3767564"/>
+              <a:off x="4964033" y="2786817"/>
+              <a:ext cx="2995848" cy="3909862"/>
             </a:xfrm>
             <a:custGeom>
               <a:avLst/>
               <a:pathLst>
-                <a:path w="3013983" h="3767564">
+                <a:path w="2995848" h="3909862">
                   <a:moveTo>
-                    <a:pt x="540441" y="1294292"/>
+                    <a:pt x="522366" y="1436364"/>
                   </a:moveTo>
                   <a:lnTo>
-                    <a:pt x="521805" y="1377529"/>
-                  </a:lnTo>
-                  <a:lnTo>
-                    <a:pt x="503169" y="1460765"/>
-                  </a:lnTo>
-                  <a:lnTo>
-                    <a:pt x="484533" y="1544001"/>
-                  </a:lnTo>
-                  <a:lnTo>
-                    <a:pt x="465897" y="1627238"/>
-                  </a:lnTo>
-                  <a:lnTo>
-                    <a:pt x="447262" y="1710474"/>
-                  </a:lnTo>
-                  <a:lnTo>
-                    <a:pt x="428626" y="1793710"/>
-                  </a:lnTo>
-                  <a:lnTo>
-                    <a:pt x="409990" y="1876947"/>
-                  </a:lnTo>
-                  <a:lnTo>
-                    <a:pt x="391354" y="1960183"/>
-                  </a:lnTo>
-                  <a:lnTo>
-                    <a:pt x="372718" y="2043419"/>
-                  </a:lnTo>
-                  <a:lnTo>
-                    <a:pt x="354082" y="2126656"/>
-                  </a:lnTo>
-                  <a:lnTo>
-                    <a:pt x="335446" y="2209892"/>
-                  </a:lnTo>
-                  <a:lnTo>
-                    <a:pt x="316810" y="2293128"/>
-                  </a:lnTo>
-                  <a:lnTo>
-                    <a:pt x="298174" y="2376365"/>
-                  </a:lnTo>
-                  <a:lnTo>
-                    <a:pt x="279538" y="2459601"/>
-                  </a:lnTo>
-                  <a:lnTo>
-                    <a:pt x="260902" y="2542837"/>
-                  </a:lnTo>
-                  <a:lnTo>
-                    <a:pt x="242266" y="2626074"/>
-                  </a:lnTo>
-                  <a:lnTo>
-                    <a:pt x="223631" y="2709310"/>
-                  </a:lnTo>
-                  <a:lnTo>
-                    <a:pt x="204995" y="2792546"/>
-                  </a:lnTo>
-                  <a:lnTo>
-                    <a:pt x="186359" y="2875783"/>
-                  </a:lnTo>
-                  <a:lnTo>
-                    <a:pt x="167723" y="2959019"/>
-                  </a:lnTo>
-                  <a:lnTo>
-                    <a:pt x="149087" y="3042255"/>
-                  </a:lnTo>
-                  <a:lnTo>
-                    <a:pt x="130451" y="3125492"/>
-                  </a:lnTo>
-                  <a:lnTo>
-                    <a:pt x="111815" y="3208728"/>
-                  </a:lnTo>
-                  <a:lnTo>
-                    <a:pt x="93179" y="3291964"/>
-                  </a:lnTo>
-                  <a:lnTo>
-                    <a:pt x="74543" y="3375201"/>
-                  </a:lnTo>
-                  <a:lnTo>
-                    <a:pt x="55907" y="3458437"/>
-                  </a:lnTo>
-                  <a:lnTo>
-                    <a:pt x="37271" y="3541673"/>
-                  </a:lnTo>
-                  <a:lnTo>
-                    <a:pt x="18635" y="3624910"/>
-                  </a:lnTo>
-                  <a:lnTo>
-                    <a:pt x="0" y="3708146"/>
-                  </a:lnTo>
-                  <a:lnTo>
-                    <a:pt x="82216" y="3725094"/>
-                  </a:lnTo>
-                  <a:lnTo>
-                    <a:pt x="164960" y="3739242"/>
-                  </a:lnTo>
-                  <a:lnTo>
-                    <a:pt x="248136" y="3750575"/>
-                  </a:lnTo>
-                  <a:lnTo>
-                    <a:pt x="331649" y="3759079"/>
-                  </a:lnTo>
-                  <a:lnTo>
-                    <a:pt x="415402" y="3764744"/>
-                  </a:lnTo>
-                  <a:lnTo>
-                    <a:pt x="499300" y="3767564"/>
-                  </a:lnTo>
-                  <a:lnTo>
-                    <a:pt x="583245" y="3767536"/>
-                  </a:lnTo>
-                  <a:lnTo>
-                    <a:pt x="667140" y="3764660"/>
-                  </a:lnTo>
-                  <a:lnTo>
-                    <a:pt x="750890" y="3758938"/>
-                  </a:lnTo>
-                  <a:lnTo>
-                    <a:pt x="834397" y="3750378"/>
-                  </a:lnTo>
-                  <a:lnTo>
-                    <a:pt x="917566" y="3738989"/>
-                  </a:lnTo>
-                  <a:lnTo>
-                    <a:pt x="1000300" y="3724785"/>
-                  </a:lnTo>
-                  <a:lnTo>
-                    <a:pt x="1082505" y="3707782"/>
-                  </a:lnTo>
-                  <a:lnTo>
-                    <a:pt x="1164085" y="3688000"/>
-                  </a:lnTo>
-                  <a:lnTo>
-                    <a:pt x="1244948" y="3665460"/>
-                  </a:lnTo>
-                  <a:lnTo>
-                    <a:pt x="1324999" y="3640190"/>
-                  </a:lnTo>
-                  <a:lnTo>
-                    <a:pt x="1404146" y="3612218"/>
-                  </a:lnTo>
-                  <a:lnTo>
-                    <a:pt x="1482299" y="3581577"/>
-                  </a:lnTo>
-                  <a:lnTo>
-                    <a:pt x="1559367" y="3548301"/>
-                  </a:lnTo>
-                  <a:lnTo>
-                    <a:pt x="1635261" y="3512430"/>
-                  </a:lnTo>
-                  <a:lnTo>
-                    <a:pt x="1709895" y="3474004"/>
-                  </a:lnTo>
-                  <a:lnTo>
-                    <a:pt x="1783182" y="3433068"/>
-                  </a:lnTo>
-                  <a:lnTo>
-                    <a:pt x="1855038" y="3389669"/>
-                  </a:lnTo>
-                  <a:lnTo>
-                    <a:pt x="1925379" y="3343856"/>
-                  </a:lnTo>
-                  <a:lnTo>
-                    <a:pt x="1994126" y="3295684"/>
-                  </a:lnTo>
-                  <a:lnTo>
-                    <a:pt x="2061199" y="3245206"/>
-                  </a:lnTo>
-                  <a:lnTo>
-                    <a:pt x="2126520" y="3192481"/>
-                  </a:lnTo>
-                  <a:lnTo>
-                    <a:pt x="2190014" y="3137571"/>
-                  </a:lnTo>
-                  <a:lnTo>
-                    <a:pt x="2251609" y="3080537"/>
-                  </a:lnTo>
-                  <a:lnTo>
-                    <a:pt x="2311233" y="3021447"/>
-                  </a:lnTo>
-                  <a:lnTo>
-                    <a:pt x="2368818" y="2960367"/>
-                  </a:lnTo>
-                  <a:lnTo>
-                    <a:pt x="2424297" y="2897369"/>
-                  </a:lnTo>
-                  <a:lnTo>
-                    <a:pt x="2477607" y="2832524"/>
-                  </a:lnTo>
-                  <a:lnTo>
-                    <a:pt x="2528685" y="2765908"/>
-                  </a:lnTo>
-                  <a:lnTo>
-                    <a:pt x="2577474" y="2697597"/>
-                  </a:lnTo>
-                  <a:lnTo>
-                    <a:pt x="2623917" y="2627670"/>
-                  </a:lnTo>
-                  <a:lnTo>
-                    <a:pt x="2667960" y="2556207"/>
-                  </a:lnTo>
-                  <a:lnTo>
-                    <a:pt x="2709553" y="2483291"/>
-                  </a:lnTo>
-                  <a:lnTo>
-                    <a:pt x="2748649" y="2409006"/>
-                  </a:lnTo>
-                  <a:lnTo>
-                    <a:pt x="2785201" y="2333437"/>
-                  </a:lnTo>
-                  <a:lnTo>
-                    <a:pt x="2819167" y="2256671"/>
-                  </a:lnTo>
-                  <a:lnTo>
-                    <a:pt x="2850510" y="2178797"/>
-                  </a:lnTo>
-                  <a:lnTo>
-                    <a:pt x="2879192" y="2099904"/>
-                  </a:lnTo>
-                  <a:lnTo>
-                    <a:pt x="2905181" y="2020083"/>
-                  </a:lnTo>
-                  <a:lnTo>
-                    <a:pt x="2928446" y="1939427"/>
-                  </a:lnTo>
-                  <a:lnTo>
-                    <a:pt x="2948961" y="1858028"/>
-                  </a:lnTo>
-                  <a:lnTo>
-                    <a:pt x="2966703" y="1775979"/>
-                  </a:lnTo>
-                  <a:lnTo>
-                    <a:pt x="2981650" y="1693376"/>
-                  </a:lnTo>
-                  <a:lnTo>
-                    <a:pt x="2993785" y="1610313"/>
-                  </a:lnTo>
-                  <a:lnTo>
-                    <a:pt x="3003095" y="1526886"/>
-                  </a:lnTo>
-                  <a:lnTo>
-                    <a:pt x="3009570" y="1443191"/>
-                  </a:lnTo>
-                  <a:lnTo>
-                    <a:pt x="3013200" y="1359325"/>
-                  </a:lnTo>
-                  <a:lnTo>
-                    <a:pt x="3013983" y="1275383"/>
-                  </a:lnTo>
-                  <a:lnTo>
-                    <a:pt x="3011917" y="1191464"/>
-                  </a:lnTo>
-                  <a:lnTo>
-                    <a:pt x="3007005" y="1107663"/>
-                  </a:lnTo>
-                  <a:lnTo>
-                    <a:pt x="2999252" y="1024077"/>
-                  </a:lnTo>
-                  <a:lnTo>
-                    <a:pt x="2988667" y="940802"/>
-                  </a:lnTo>
-                  <a:lnTo>
-                    <a:pt x="2975263" y="857934"/>
-                  </a:lnTo>
-                  <a:lnTo>
-                    <a:pt x="2959055" y="775569"/>
-                  </a:lnTo>
-                  <a:lnTo>
-                    <a:pt x="2940061" y="693801"/>
-                  </a:lnTo>
-                  <a:lnTo>
-                    <a:pt x="2918304" y="612725"/>
-                  </a:lnTo>
-                  <a:lnTo>
-                    <a:pt x="2893808" y="532434"/>
-                  </a:lnTo>
-                  <a:lnTo>
-                    <a:pt x="2866602" y="453020"/>
-                  </a:lnTo>
-                  <a:lnTo>
-                    <a:pt x="2836718" y="374575"/>
-                  </a:lnTo>
-                  <a:lnTo>
-                    <a:pt x="2804188" y="297189"/>
-                  </a:lnTo>
-                  <a:lnTo>
-                    <a:pt x="2769052" y="220951"/>
-                  </a:lnTo>
-                  <a:lnTo>
-                    <a:pt x="2731349" y="145950"/>
-                  </a:lnTo>
-                  <a:lnTo>
-                    <a:pt x="2691122" y="72271"/>
-                  </a:lnTo>
-                  <a:lnTo>
-                    <a:pt x="2648419" y="0"/>
-                  </a:lnTo>
-                  <a:lnTo>
-                    <a:pt x="2575730" y="44630"/>
-                  </a:lnTo>
-                  <a:lnTo>
-                    <a:pt x="2503041" y="89261"/>
-                  </a:lnTo>
-                  <a:lnTo>
-                    <a:pt x="2430353" y="133892"/>
-                  </a:lnTo>
-                  <a:lnTo>
-                    <a:pt x="2357664" y="178523"/>
-                  </a:lnTo>
-                  <a:lnTo>
-                    <a:pt x="2284975" y="223153"/>
-                  </a:lnTo>
-                  <a:lnTo>
-                    <a:pt x="2212286" y="267784"/>
-                  </a:lnTo>
-                  <a:lnTo>
-                    <a:pt x="2139597" y="312415"/>
-                  </a:lnTo>
-                  <a:lnTo>
-                    <a:pt x="2066908" y="357046"/>
-                  </a:lnTo>
-                  <a:lnTo>
-                    <a:pt x="1994219" y="401677"/>
-                  </a:lnTo>
-                  <a:lnTo>
-                    <a:pt x="1921530" y="446307"/>
-                  </a:lnTo>
-                  <a:lnTo>
-                    <a:pt x="1848841" y="490938"/>
-                  </a:lnTo>
-                  <a:lnTo>
-                    <a:pt x="1776152" y="535569"/>
-                  </a:lnTo>
-                  <a:lnTo>
-                    <a:pt x="1703464" y="580200"/>
-                  </a:lnTo>
-                  <a:lnTo>
-                    <a:pt x="1630775" y="624831"/>
-                  </a:lnTo>
-                  <a:lnTo>
-                    <a:pt x="1558086" y="669461"/>
-                  </a:lnTo>
-                  <a:lnTo>
-                    <a:pt x="1485397" y="714092"/>
-                  </a:lnTo>
-                  <a:lnTo>
-                    <a:pt x="1412708" y="758723"/>
-                  </a:lnTo>
-                  <a:lnTo>
-                    <a:pt x="1340019" y="803354"/>
-                  </a:lnTo>
-                  <a:lnTo>
-                    <a:pt x="1267330" y="847985"/>
-                  </a:lnTo>
-                  <a:lnTo>
-                    <a:pt x="1194641" y="892615"/>
-                  </a:lnTo>
-                  <a:lnTo>
-                    <a:pt x="1121952" y="937246"/>
-                  </a:lnTo>
-                  <a:lnTo>
-                    <a:pt x="1049263" y="981877"/>
-                  </a:lnTo>
-                  <a:lnTo>
-                    <a:pt x="976575" y="1026508"/>
-                  </a:lnTo>
-                  <a:lnTo>
-                    <a:pt x="903886" y="1071139"/>
-                  </a:lnTo>
-                  <a:lnTo>
-                    <a:pt x="831197" y="1115769"/>
-                  </a:lnTo>
-                  <a:lnTo>
-                    <a:pt x="758508" y="1160400"/>
-                  </a:lnTo>
-                  <a:lnTo>
-                    <a:pt x="685819" y="1205031"/>
-                  </a:lnTo>
-                  <a:lnTo>
-                    <a:pt x="613130" y="1249662"/>
+                    <a:pt x="504353" y="1519738"/>
+                  </a:lnTo>
+                  <a:lnTo>
+                    <a:pt x="486340" y="1603111"/>
+                  </a:lnTo>
+                  <a:lnTo>
+                    <a:pt x="468328" y="1686485"/>
+                  </a:lnTo>
+                  <a:lnTo>
+                    <a:pt x="450315" y="1769858"/>
+                  </a:lnTo>
+                  <a:lnTo>
+                    <a:pt x="432302" y="1853232"/>
+                  </a:lnTo>
+                  <a:lnTo>
+                    <a:pt x="414290" y="1936605"/>
+                  </a:lnTo>
+                  <a:lnTo>
+                    <a:pt x="396277" y="2019978"/>
+                  </a:lnTo>
+                  <a:lnTo>
+                    <a:pt x="378265" y="2103352"/>
+                  </a:lnTo>
+                  <a:lnTo>
+                    <a:pt x="360252" y="2186725"/>
+                  </a:lnTo>
+                  <a:lnTo>
+                    <a:pt x="342239" y="2270099"/>
+                  </a:lnTo>
+                  <a:lnTo>
+                    <a:pt x="324227" y="2353472"/>
+                  </a:lnTo>
+                  <a:lnTo>
+                    <a:pt x="306214" y="2436846"/>
+                  </a:lnTo>
+                  <a:lnTo>
+                    <a:pt x="288201" y="2520219"/>
+                  </a:lnTo>
+                  <a:lnTo>
+                    <a:pt x="270189" y="2603592"/>
+                  </a:lnTo>
+                  <a:lnTo>
+                    <a:pt x="252176" y="2686966"/>
+                  </a:lnTo>
+                  <a:lnTo>
+                    <a:pt x="234164" y="2770339"/>
+                  </a:lnTo>
+                  <a:lnTo>
+                    <a:pt x="216151" y="2853713"/>
+                  </a:lnTo>
+                  <a:lnTo>
+                    <a:pt x="198138" y="2937086"/>
+                  </a:lnTo>
+                  <a:lnTo>
+                    <a:pt x="180126" y="3020460"/>
+                  </a:lnTo>
+                  <a:lnTo>
+                    <a:pt x="162113" y="3103833"/>
+                  </a:lnTo>
+                  <a:lnTo>
+                    <a:pt x="144100" y="3187206"/>
+                  </a:lnTo>
+                  <a:lnTo>
+                    <a:pt x="126088" y="3270580"/>
+                  </a:lnTo>
+                  <a:lnTo>
+                    <a:pt x="108075" y="3353953"/>
+                  </a:lnTo>
+                  <a:lnTo>
+                    <a:pt x="90063" y="3437327"/>
+                  </a:lnTo>
+                  <a:lnTo>
+                    <a:pt x="72050" y="3520700"/>
+                  </a:lnTo>
+                  <a:lnTo>
+                    <a:pt x="54037" y="3604074"/>
+                  </a:lnTo>
+                  <a:lnTo>
+                    <a:pt x="36025" y="3687447"/>
+                  </a:lnTo>
+                  <a:lnTo>
+                    <a:pt x="18012" y="3770820"/>
+                  </a:lnTo>
+                  <a:lnTo>
+                    <a:pt x="0" y="3854194"/>
+                  </a:lnTo>
+                  <a:lnTo>
+                    <a:pt x="82119" y="3870486"/>
+                  </a:lnTo>
+                  <a:lnTo>
+                    <a:pt x="164743" y="3883990"/>
+                  </a:lnTo>
+                  <a:lnTo>
+                    <a:pt x="247777" y="3894690"/>
+                  </a:lnTo>
+                  <a:lnTo>
+                    <a:pt x="331125" y="3902575"/>
+                  </a:lnTo>
+                  <a:lnTo>
+                    <a:pt x="414692" y="3907634"/>
+                  </a:lnTo>
+                  <a:lnTo>
+                    <a:pt x="498382" y="3909862"/>
+                  </a:lnTo>
+                  <a:lnTo>
+                    <a:pt x="582100" y="3909257"/>
+                  </a:lnTo>
+                  <a:lnTo>
+                    <a:pt x="665750" y="3905819"/>
+                  </a:lnTo>
+                  <a:lnTo>
+                    <a:pt x="749235" y="3899553"/>
+                  </a:lnTo>
+                  <a:lnTo>
+                    <a:pt x="832461" y="3890464"/>
+                  </a:lnTo>
+                  <a:lnTo>
+                    <a:pt x="915331" y="3878565"/>
+                  </a:lnTo>
+                  <a:lnTo>
+                    <a:pt x="997751" y="3863868"/>
+                  </a:lnTo>
+                  <a:lnTo>
+                    <a:pt x="1079627" y="3846391"/>
+                  </a:lnTo>
+                  <a:lnTo>
+                    <a:pt x="1160864" y="3826152"/>
+                  </a:lnTo>
+                  <a:lnTo>
+                    <a:pt x="1241370" y="3803176"/>
+                  </a:lnTo>
+                  <a:lnTo>
+                    <a:pt x="1321052" y="3777489"/>
+                  </a:lnTo>
+                  <a:lnTo>
+                    <a:pt x="1399819" y="3749121"/>
+                  </a:lnTo>
+                  <a:lnTo>
+                    <a:pt x="1477581" y="3718103"/>
+                  </a:lnTo>
+                  <a:lnTo>
+                    <a:pt x="1554249" y="3684471"/>
+                  </a:lnTo>
+                  <a:lnTo>
+                    <a:pt x="1629735" y="3648264"/>
+                  </a:lnTo>
+                  <a:lnTo>
+                    <a:pt x="1703953" y="3609523"/>
+                  </a:lnTo>
+                  <a:lnTo>
+                    <a:pt x="1776816" y="3568293"/>
+                  </a:lnTo>
+                  <a:lnTo>
+                    <a:pt x="1848243" y="3524621"/>
+                  </a:lnTo>
+                  <a:lnTo>
+                    <a:pt x="1918151" y="3478556"/>
+                  </a:lnTo>
+                  <a:lnTo>
+                    <a:pt x="1986461" y="3430153"/>
+                  </a:lnTo>
+                  <a:lnTo>
+                    <a:pt x="2053093" y="3379465"/>
+                  </a:lnTo>
+                  <a:lnTo>
+                    <a:pt x="2117972" y="3326552"/>
+                  </a:lnTo>
+                  <a:lnTo>
+                    <a:pt x="2181022" y="3271473"/>
+                  </a:lnTo>
+                  <a:lnTo>
+                    <a:pt x="2242173" y="3214292"/>
+                  </a:lnTo>
+                  <a:lnTo>
+                    <a:pt x="2301354" y="3155075"/>
+                  </a:lnTo>
+                  <a:lnTo>
+                    <a:pt x="2358497" y="3093889"/>
+                  </a:lnTo>
+                  <a:lnTo>
+                    <a:pt x="2413537" y="3030804"/>
+                  </a:lnTo>
+                  <a:lnTo>
+                    <a:pt x="2466410" y="2965892"/>
+                  </a:lnTo>
+                  <a:lnTo>
+                    <a:pt x="2517057" y="2899229"/>
+                  </a:lnTo>
+                  <a:lnTo>
+                    <a:pt x="2565418" y="2830890"/>
+                  </a:lnTo>
+                  <a:lnTo>
+                    <a:pt x="2611439" y="2760953"/>
+                  </a:lnTo>
+                  <a:lnTo>
+                    <a:pt x="2655068" y="2689500"/>
+                  </a:lnTo>
+                  <a:lnTo>
+                    <a:pt x="2696253" y="2616610"/>
+                  </a:lnTo>
+                  <a:lnTo>
+                    <a:pt x="2734948" y="2542369"/>
+                  </a:lnTo>
+                  <a:lnTo>
+                    <a:pt x="2771108" y="2466861"/>
+                  </a:lnTo>
+                  <a:lnTo>
+                    <a:pt x="2804693" y="2390172"/>
+                  </a:lnTo>
+                  <a:lnTo>
+                    <a:pt x="2835663" y="2312391"/>
+                  </a:lnTo>
+                  <a:lnTo>
+                    <a:pt x="2863983" y="2233606"/>
+                  </a:lnTo>
+                  <a:lnTo>
+                    <a:pt x="2889621" y="2153908"/>
+                  </a:lnTo>
+                  <a:lnTo>
+                    <a:pt x="2912547" y="2073388"/>
+                  </a:lnTo>
+                  <a:lnTo>
+                    <a:pt x="2932735" y="1992138"/>
+                  </a:lnTo>
+                  <a:lnTo>
+                    <a:pt x="2950162" y="1910252"/>
+                  </a:lnTo>
+                  <a:lnTo>
+                    <a:pt x="2964808" y="1827823"/>
+                  </a:lnTo>
+                  <a:lnTo>
+                    <a:pt x="2976656" y="1744945"/>
+                  </a:lnTo>
+                  <a:lnTo>
+                    <a:pt x="2985693" y="1661714"/>
+                  </a:lnTo>
+                  <a:lnTo>
+                    <a:pt x="2991908" y="1578225"/>
+                  </a:lnTo>
+                  <a:lnTo>
+                    <a:pt x="2995295" y="1494574"/>
+                  </a:lnTo>
+                  <a:lnTo>
+                    <a:pt x="2995848" y="1410855"/>
+                  </a:lnTo>
+                  <a:lnTo>
+                    <a:pt x="2993568" y="1327166"/>
+                  </a:lnTo>
+                  <a:lnTo>
+                    <a:pt x="2988457" y="1243602"/>
+                  </a:lnTo>
+                  <a:lnTo>
+                    <a:pt x="2980522" y="1160259"/>
+                  </a:lnTo>
+                  <a:lnTo>
+                    <a:pt x="2969770" y="1077232"/>
+                  </a:lnTo>
+                  <a:lnTo>
+                    <a:pt x="2956215" y="994616"/>
+                  </a:lnTo>
+                  <a:lnTo>
+                    <a:pt x="2939872" y="912507"/>
+                  </a:lnTo>
+                  <a:lnTo>
+                    <a:pt x="2920760" y="830997"/>
+                  </a:lnTo>
+                  <a:lnTo>
+                    <a:pt x="2898901" y="750181"/>
+                  </a:lnTo>
+                  <a:lnTo>
+                    <a:pt x="2874319" y="670151"/>
+                  </a:lnTo>
+                  <a:lnTo>
+                    <a:pt x="2847043" y="590999"/>
+                  </a:lnTo>
+                  <a:lnTo>
+                    <a:pt x="2817104" y="512815"/>
+                  </a:lnTo>
+                  <a:lnTo>
+                    <a:pt x="2784536" y="435689"/>
+                  </a:lnTo>
+                  <a:lnTo>
+                    <a:pt x="2749377" y="359709"/>
+                  </a:lnTo>
+                  <a:lnTo>
+                    <a:pt x="2711667" y="284963"/>
+                  </a:lnTo>
+                  <a:lnTo>
+                    <a:pt x="2671449" y="211535"/>
+                  </a:lnTo>
+                  <a:lnTo>
+                    <a:pt x="2628769" y="139511"/>
+                  </a:lnTo>
+                  <a:lnTo>
+                    <a:pt x="2583677" y="68972"/>
+                  </a:lnTo>
+                  <a:lnTo>
+                    <a:pt x="2536223" y="0"/>
+                  </a:lnTo>
+                  <a:lnTo>
+                    <a:pt x="2466780" y="49529"/>
+                  </a:lnTo>
+                  <a:lnTo>
+                    <a:pt x="2397336" y="99059"/>
+                  </a:lnTo>
+                  <a:lnTo>
+                    <a:pt x="2327893" y="148589"/>
+                  </a:lnTo>
+                  <a:lnTo>
+                    <a:pt x="2258450" y="198119"/>
+                  </a:lnTo>
+                  <a:lnTo>
+                    <a:pt x="2189006" y="247649"/>
+                  </a:lnTo>
+                  <a:lnTo>
+                    <a:pt x="2119563" y="297178"/>
+                  </a:lnTo>
+                  <a:lnTo>
+                    <a:pt x="2050120" y="346708"/>
+                  </a:lnTo>
+                  <a:lnTo>
+                    <a:pt x="1980676" y="396238"/>
+                  </a:lnTo>
+                  <a:lnTo>
+                    <a:pt x="1911233" y="445768"/>
+                  </a:lnTo>
+                  <a:lnTo>
+                    <a:pt x="1841789" y="495298"/>
+                  </a:lnTo>
+                  <a:lnTo>
+                    <a:pt x="1772346" y="544828"/>
+                  </a:lnTo>
+                  <a:lnTo>
+                    <a:pt x="1702903" y="594357"/>
+                  </a:lnTo>
+                  <a:lnTo>
+                    <a:pt x="1633459" y="643887"/>
+                  </a:lnTo>
+                  <a:lnTo>
+                    <a:pt x="1564016" y="693417"/>
+                  </a:lnTo>
+                  <a:lnTo>
+                    <a:pt x="1494573" y="742947"/>
+                  </a:lnTo>
+                  <a:lnTo>
+                    <a:pt x="1425129" y="792477"/>
+                  </a:lnTo>
+                  <a:lnTo>
+                    <a:pt x="1355686" y="842007"/>
+                  </a:lnTo>
+                  <a:lnTo>
+                    <a:pt x="1286243" y="891536"/>
+                  </a:lnTo>
+                  <a:lnTo>
+                    <a:pt x="1216799" y="941066"/>
+                  </a:lnTo>
+                  <a:lnTo>
+                    <a:pt x="1147356" y="990596"/>
+                  </a:lnTo>
+                  <a:lnTo>
+                    <a:pt x="1077912" y="1040126"/>
+                  </a:lnTo>
+                  <a:lnTo>
+                    <a:pt x="1008469" y="1089656"/>
+                  </a:lnTo>
+                  <a:lnTo>
+                    <a:pt x="939026" y="1139185"/>
+                  </a:lnTo>
+                  <a:lnTo>
+                    <a:pt x="869582" y="1188715"/>
+                  </a:lnTo>
+                  <a:lnTo>
+                    <a:pt x="800139" y="1238245"/>
+                  </a:lnTo>
+                  <a:lnTo>
+                    <a:pt x="730696" y="1287775"/>
+                  </a:lnTo>
+                  <a:lnTo>
+                    <a:pt x="661252" y="1337305"/>
+                  </a:lnTo>
+                  <a:lnTo>
+                    <a:pt x="591809" y="1386835"/>
                   </a:lnTo>
                   <a:close/>
                 </a:path>
@@ -3234,444 +3234,444 @@
           </p:nvSpPr>
           <p:spPr>
             <a:xfrm>
-              <a:off x="3012869" y="1749568"/>
-              <a:ext cx="2473530" cy="4887467"/>
+              <a:off x="3012808" y="1749568"/>
+              <a:ext cx="2473591" cy="4891443"/>
             </a:xfrm>
             <a:custGeom>
               <a:avLst/>
               <a:pathLst>
-                <a:path w="2473530" h="4887467">
+                <a:path w="2473591" h="4891443">
                   <a:moveTo>
-                    <a:pt x="2473530" y="2473613"/>
+                    <a:pt x="2473591" y="2473613"/>
                   </a:moveTo>
                   <a:lnTo>
-                    <a:pt x="2473530" y="2388316"/>
-                  </a:lnTo>
-                  <a:lnTo>
-                    <a:pt x="2473530" y="2303019"/>
-                  </a:lnTo>
-                  <a:lnTo>
-                    <a:pt x="2473530" y="2217722"/>
-                  </a:lnTo>
-                  <a:lnTo>
-                    <a:pt x="2473530" y="2132425"/>
-                  </a:lnTo>
-                  <a:lnTo>
-                    <a:pt x="2473530" y="2047128"/>
-                  </a:lnTo>
-                  <a:lnTo>
-                    <a:pt x="2473530" y="1961831"/>
-                  </a:lnTo>
-                  <a:lnTo>
-                    <a:pt x="2473530" y="1876534"/>
-                  </a:lnTo>
-                  <a:lnTo>
-                    <a:pt x="2473530" y="1791237"/>
-                  </a:lnTo>
-                  <a:lnTo>
-                    <a:pt x="2473530" y="1705940"/>
-                  </a:lnTo>
-                  <a:lnTo>
-                    <a:pt x="2473530" y="1620643"/>
-                  </a:lnTo>
-                  <a:lnTo>
-                    <a:pt x="2473530" y="1535346"/>
-                  </a:lnTo>
-                  <a:lnTo>
-                    <a:pt x="2473530" y="1450049"/>
-                  </a:lnTo>
-                  <a:lnTo>
-                    <a:pt x="2473530" y="1364752"/>
-                  </a:lnTo>
-                  <a:lnTo>
-                    <a:pt x="2473530" y="1279455"/>
-                  </a:lnTo>
-                  <a:lnTo>
-                    <a:pt x="2473530" y="1194158"/>
-                  </a:lnTo>
-                  <a:lnTo>
-                    <a:pt x="2473530" y="1108861"/>
-                  </a:lnTo>
-                  <a:lnTo>
-                    <a:pt x="2473530" y="1023564"/>
-                  </a:lnTo>
-                  <a:lnTo>
-                    <a:pt x="2473530" y="938267"/>
-                  </a:lnTo>
-                  <a:lnTo>
-                    <a:pt x="2473530" y="852970"/>
-                  </a:lnTo>
-                  <a:lnTo>
-                    <a:pt x="2473530" y="767673"/>
-                  </a:lnTo>
-                  <a:lnTo>
-                    <a:pt x="2473530" y="682376"/>
-                  </a:lnTo>
-                  <a:lnTo>
-                    <a:pt x="2473530" y="597079"/>
-                  </a:lnTo>
-                  <a:lnTo>
-                    <a:pt x="2473530" y="511782"/>
-                  </a:lnTo>
-                  <a:lnTo>
-                    <a:pt x="2473530" y="426485"/>
-                  </a:lnTo>
-                  <a:lnTo>
-                    <a:pt x="2473530" y="341188"/>
-                  </a:lnTo>
-                  <a:lnTo>
-                    <a:pt x="2473530" y="255891"/>
-                  </a:lnTo>
-                  <a:lnTo>
-                    <a:pt x="2473530" y="170594"/>
-                  </a:lnTo>
-                  <a:lnTo>
-                    <a:pt x="2473530" y="85297"/>
-                  </a:lnTo>
-                  <a:lnTo>
-                    <a:pt x="2473530" y="0"/>
-                  </a:lnTo>
-                  <a:lnTo>
-                    <a:pt x="2389520" y="1427"/>
-                  </a:lnTo>
-                  <a:lnTo>
-                    <a:pt x="2305607" y="5706"/>
-                  </a:lnTo>
-                  <a:lnTo>
-                    <a:pt x="2221887" y="12833"/>
-                  </a:lnTo>
-                  <a:lnTo>
-                    <a:pt x="2138458" y="22799"/>
-                  </a:lnTo>
-                  <a:lnTo>
-                    <a:pt x="2055416" y="35592"/>
-                  </a:lnTo>
-                  <a:lnTo>
-                    <a:pt x="1972856" y="51199"/>
-                  </a:lnTo>
-                  <a:lnTo>
-                    <a:pt x="1890874" y="69601"/>
-                  </a:lnTo>
-                  <a:lnTo>
-                    <a:pt x="1809564" y="90776"/>
-                  </a:lnTo>
-                  <a:lnTo>
-                    <a:pt x="1729020" y="114700"/>
-                  </a:lnTo>
-                  <a:lnTo>
-                    <a:pt x="1649335" y="141347"/>
-                  </a:lnTo>
-                  <a:lnTo>
-                    <a:pt x="1570601" y="170684"/>
-                  </a:lnTo>
-                  <a:lnTo>
-                    <a:pt x="1492908" y="202678"/>
-                  </a:lnTo>
-                  <a:lnTo>
-                    <a:pt x="1416347" y="237292"/>
-                  </a:lnTo>
-                  <a:lnTo>
-                    <a:pt x="1341006" y="274487"/>
-                  </a:lnTo>
-                  <a:lnTo>
-                    <a:pt x="1266972" y="314219"/>
-                  </a:lnTo>
-                  <a:lnTo>
-                    <a:pt x="1194330" y="356442"/>
-                  </a:lnTo>
-                  <a:lnTo>
-                    <a:pt x="1123163" y="401109"/>
-                  </a:lnTo>
-                  <a:lnTo>
-                    <a:pt x="1053555" y="448166"/>
-                  </a:lnTo>
-                  <a:lnTo>
-                    <a:pt x="985585" y="497560"/>
-                  </a:lnTo>
-                  <a:lnTo>
-                    <a:pt x="919332" y="549235"/>
-                  </a:lnTo>
-                  <a:lnTo>
-                    <a:pt x="854872" y="603129"/>
-                  </a:lnTo>
-                  <a:lnTo>
-                    <a:pt x="792279" y="659182"/>
-                  </a:lnTo>
-                  <a:lnTo>
-                    <a:pt x="731627" y="717328"/>
-                  </a:lnTo>
-                  <a:lnTo>
-                    <a:pt x="672984" y="777500"/>
-                  </a:lnTo>
-                  <a:lnTo>
-                    <a:pt x="616418" y="839630"/>
-                  </a:lnTo>
-                  <a:lnTo>
-                    <a:pt x="561995" y="903645"/>
-                  </a:lnTo>
-                  <a:lnTo>
-                    <a:pt x="509778" y="969471"/>
-                  </a:lnTo>
-                  <a:lnTo>
-                    <a:pt x="459827" y="1037032"/>
-                  </a:lnTo>
-                  <a:lnTo>
-                    <a:pt x="412199" y="1106251"/>
-                  </a:lnTo>
-                  <a:lnTo>
-                    <a:pt x="366949" y="1177048"/>
-                  </a:lnTo>
-                  <a:lnTo>
-                    <a:pt x="324129" y="1249341"/>
-                  </a:lnTo>
-                  <a:lnTo>
-                    <a:pt x="283790" y="1323046"/>
-                  </a:lnTo>
-                  <a:lnTo>
-                    <a:pt x="245977" y="1398079"/>
-                  </a:lnTo>
-                  <a:lnTo>
-                    <a:pt x="210734" y="1474352"/>
-                  </a:lnTo>
-                  <a:lnTo>
-                    <a:pt x="178102" y="1551779"/>
-                  </a:lnTo>
-                  <a:lnTo>
-                    <a:pt x="148119" y="1630269"/>
-                  </a:lnTo>
-                  <a:lnTo>
-                    <a:pt x="120818" y="1709732"/>
-                  </a:lnTo>
-                  <a:lnTo>
-                    <a:pt x="96232" y="1790077"/>
-                  </a:lnTo>
-                  <a:lnTo>
-                    <a:pt x="74389" y="1871210"/>
-                  </a:lnTo>
-                  <a:lnTo>
-                    <a:pt x="55314" y="1953038"/>
-                  </a:lnTo>
-                  <a:lnTo>
-                    <a:pt x="39029" y="2035467"/>
-                  </a:lnTo>
-                  <a:lnTo>
-                    <a:pt x="25553" y="2118401"/>
-                  </a:lnTo>
-                  <a:lnTo>
-                    <a:pt x="14901" y="2201746"/>
-                  </a:lnTo>
-                  <a:lnTo>
-                    <a:pt x="7086" y="2285403"/>
-                  </a:lnTo>
-                  <a:lnTo>
-                    <a:pt x="2117" y="2369279"/>
-                  </a:lnTo>
-                  <a:lnTo>
-                    <a:pt x="0" y="2453274"/>
-                  </a:lnTo>
-                  <a:lnTo>
-                    <a:pt x="736" y="2537293"/>
-                  </a:lnTo>
-                  <a:lnTo>
-                    <a:pt x="4325" y="2621238"/>
-                  </a:lnTo>
-                  <a:lnTo>
-                    <a:pt x="10763" y="2705013"/>
-                  </a:lnTo>
-                  <a:lnTo>
-                    <a:pt x="20043" y="2788522"/>
-                  </a:lnTo>
-                  <a:lnTo>
-                    <a:pt x="32153" y="2871666"/>
-                  </a:lnTo>
-                  <a:lnTo>
-                    <a:pt x="47080" y="2954352"/>
-                  </a:lnTo>
-                  <a:lnTo>
-                    <a:pt x="64807" y="3036483"/>
-                  </a:lnTo>
-                  <a:lnTo>
-                    <a:pt x="85313" y="3117964"/>
-                  </a:lnTo>
-                  <a:lnTo>
-                    <a:pt x="108575" y="3198702"/>
-                  </a:lnTo>
-                  <a:lnTo>
-                    <a:pt x="134565" y="3278604"/>
-                  </a:lnTo>
-                  <a:lnTo>
-                    <a:pt x="163254" y="3357576"/>
-                  </a:lnTo>
-                  <a:lnTo>
-                    <a:pt x="194608" y="3435529"/>
-                  </a:lnTo>
-                  <a:lnTo>
-                    <a:pt x="228592" y="3512372"/>
-                  </a:lnTo>
-                  <a:lnTo>
-                    <a:pt x="265166" y="3588016"/>
-                  </a:lnTo>
-                  <a:lnTo>
-                    <a:pt x="304287" y="3662375"/>
-                  </a:lnTo>
-                  <a:lnTo>
-                    <a:pt x="345912" y="3735362"/>
-                  </a:lnTo>
-                  <a:lnTo>
-                    <a:pt x="389992" y="3806893"/>
-                  </a:lnTo>
-                  <a:lnTo>
-                    <a:pt x="436475" y="3876886"/>
-                  </a:lnTo>
-                  <a:lnTo>
-                    <a:pt x="485309" y="3945260"/>
-                  </a:lnTo>
-                  <a:lnTo>
-                    <a:pt x="536436" y="4011936"/>
-                  </a:lnTo>
-                  <a:lnTo>
-                    <a:pt x="589799" y="4076837"/>
-                  </a:lnTo>
-                  <a:lnTo>
-                    <a:pt x="645335" y="4139888"/>
-                  </a:lnTo>
-                  <a:lnTo>
-                    <a:pt x="702981" y="4201017"/>
-                  </a:lnTo>
-                  <a:lnTo>
-                    <a:pt x="762669" y="4260152"/>
-                  </a:lnTo>
-                  <a:lnTo>
-                    <a:pt x="824331" y="4317227"/>
-                  </a:lnTo>
-                  <a:lnTo>
-                    <a:pt x="887896" y="4372174"/>
-                  </a:lnTo>
-                  <a:lnTo>
-                    <a:pt x="953291" y="4424931"/>
-                  </a:lnTo>
-                  <a:lnTo>
-                    <a:pt x="1020439" y="4475436"/>
-                  </a:lnTo>
-                  <a:lnTo>
-                    <a:pt x="1089264" y="4523632"/>
-                  </a:lnTo>
-                  <a:lnTo>
-                    <a:pt x="1159687" y="4569462"/>
-                  </a:lnTo>
-                  <a:lnTo>
-                    <a:pt x="1231625" y="4612874"/>
-                  </a:lnTo>
-                  <a:lnTo>
-                    <a:pt x="1304996" y="4653819"/>
-                  </a:lnTo>
-                  <a:lnTo>
-                    <a:pt x="1379715" y="4692247"/>
-                  </a:lnTo>
-                  <a:lnTo>
-                    <a:pt x="1455696" y="4728116"/>
-                  </a:lnTo>
-                  <a:lnTo>
-                    <a:pt x="1532852" y="4761383"/>
-                  </a:lnTo>
-                  <a:lnTo>
-                    <a:pt x="1611093" y="4792011"/>
-                  </a:lnTo>
-                  <a:lnTo>
-                    <a:pt x="1690329" y="4819964"/>
-                  </a:lnTo>
-                  <a:lnTo>
-                    <a:pt x="1770469" y="4845210"/>
-                  </a:lnTo>
-                  <a:lnTo>
-                    <a:pt x="1851420" y="4867720"/>
-                  </a:lnTo>
-                  <a:lnTo>
-                    <a:pt x="1933088" y="4887467"/>
-                  </a:lnTo>
-                  <a:lnTo>
-                    <a:pt x="1951724" y="4804231"/>
-                  </a:lnTo>
-                  <a:lnTo>
-                    <a:pt x="1970360" y="4720994"/>
-                  </a:lnTo>
-                  <a:lnTo>
-                    <a:pt x="1988996" y="4637758"/>
-                  </a:lnTo>
-                  <a:lnTo>
-                    <a:pt x="2007632" y="4554522"/>
-                  </a:lnTo>
-                  <a:lnTo>
-                    <a:pt x="2026268" y="4471285"/>
-                  </a:lnTo>
-                  <a:lnTo>
-                    <a:pt x="2044904" y="4388049"/>
-                  </a:lnTo>
-                  <a:lnTo>
-                    <a:pt x="2063540" y="4304813"/>
-                  </a:lnTo>
-                  <a:lnTo>
-                    <a:pt x="2082175" y="4221576"/>
-                  </a:lnTo>
-                  <a:lnTo>
-                    <a:pt x="2100811" y="4138340"/>
-                  </a:lnTo>
-                  <a:lnTo>
-                    <a:pt x="2119447" y="4055104"/>
-                  </a:lnTo>
-                  <a:lnTo>
-                    <a:pt x="2138083" y="3971867"/>
-                  </a:lnTo>
-                  <a:lnTo>
-                    <a:pt x="2156719" y="3888631"/>
-                  </a:lnTo>
-                  <a:lnTo>
-                    <a:pt x="2175355" y="3805395"/>
-                  </a:lnTo>
-                  <a:lnTo>
-                    <a:pt x="2193991" y="3722158"/>
-                  </a:lnTo>
-                  <a:lnTo>
-                    <a:pt x="2212627" y="3638922"/>
-                  </a:lnTo>
-                  <a:lnTo>
-                    <a:pt x="2231263" y="3555686"/>
-                  </a:lnTo>
-                  <a:lnTo>
-                    <a:pt x="2249899" y="3472449"/>
-                  </a:lnTo>
-                  <a:lnTo>
-                    <a:pt x="2268535" y="3389213"/>
-                  </a:lnTo>
-                  <a:lnTo>
-                    <a:pt x="2287171" y="3305977"/>
-                  </a:lnTo>
-                  <a:lnTo>
-                    <a:pt x="2305807" y="3222740"/>
-                  </a:lnTo>
-                  <a:lnTo>
-                    <a:pt x="2324442" y="3139504"/>
-                  </a:lnTo>
-                  <a:lnTo>
-                    <a:pt x="2343078" y="3056268"/>
-                  </a:lnTo>
-                  <a:lnTo>
-                    <a:pt x="2361714" y="2973031"/>
-                  </a:lnTo>
-                  <a:lnTo>
-                    <a:pt x="2380350" y="2889795"/>
-                  </a:lnTo>
-                  <a:lnTo>
-                    <a:pt x="2398986" y="2806559"/>
-                  </a:lnTo>
-                  <a:lnTo>
-                    <a:pt x="2417622" y="2723322"/>
-                  </a:lnTo>
-                  <a:lnTo>
-                    <a:pt x="2436258" y="2640086"/>
-                  </a:lnTo>
-                  <a:lnTo>
-                    <a:pt x="2454894" y="2556850"/>
+                    <a:pt x="2473591" y="2388316"/>
+                  </a:lnTo>
+                  <a:lnTo>
+                    <a:pt x="2473591" y="2303019"/>
+                  </a:lnTo>
+                  <a:lnTo>
+                    <a:pt x="2473591" y="2217722"/>
+                  </a:lnTo>
+                  <a:lnTo>
+                    <a:pt x="2473591" y="2132425"/>
+                  </a:lnTo>
+                  <a:lnTo>
+                    <a:pt x="2473591" y="2047128"/>
+                  </a:lnTo>
+                  <a:lnTo>
+                    <a:pt x="2473591" y="1961831"/>
+                  </a:lnTo>
+                  <a:lnTo>
+                    <a:pt x="2473591" y="1876534"/>
+                  </a:lnTo>
+                  <a:lnTo>
+                    <a:pt x="2473591" y="1791237"/>
+                  </a:lnTo>
+                  <a:lnTo>
+                    <a:pt x="2473591" y="1705940"/>
+                  </a:lnTo>
+                  <a:lnTo>
+                    <a:pt x="2473591" y="1620643"/>
+                  </a:lnTo>
+                  <a:lnTo>
+                    <a:pt x="2473591" y="1535346"/>
+                  </a:lnTo>
+                  <a:lnTo>
+                    <a:pt x="2473591" y="1450049"/>
+                  </a:lnTo>
+                  <a:lnTo>
+                    <a:pt x="2473591" y="1364752"/>
+                  </a:lnTo>
+                  <a:lnTo>
+                    <a:pt x="2473591" y="1279455"/>
+                  </a:lnTo>
+                  <a:lnTo>
+                    <a:pt x="2473591" y="1194158"/>
+                  </a:lnTo>
+                  <a:lnTo>
+                    <a:pt x="2473591" y="1108861"/>
+                  </a:lnTo>
+                  <a:lnTo>
+                    <a:pt x="2473591" y="1023564"/>
+                  </a:lnTo>
+                  <a:lnTo>
+                    <a:pt x="2473591" y="938267"/>
+                  </a:lnTo>
+                  <a:lnTo>
+                    <a:pt x="2473591" y="852970"/>
+                  </a:lnTo>
+                  <a:lnTo>
+                    <a:pt x="2473591" y="767673"/>
+                  </a:lnTo>
+                  <a:lnTo>
+                    <a:pt x="2473591" y="682376"/>
+                  </a:lnTo>
+                  <a:lnTo>
+                    <a:pt x="2473591" y="597079"/>
+                  </a:lnTo>
+                  <a:lnTo>
+                    <a:pt x="2473591" y="511782"/>
+                  </a:lnTo>
+                  <a:lnTo>
+                    <a:pt x="2473591" y="426485"/>
+                  </a:lnTo>
+                  <a:lnTo>
+                    <a:pt x="2473591" y="341188"/>
+                  </a:lnTo>
+                  <a:lnTo>
+                    <a:pt x="2473591" y="255891"/>
+                  </a:lnTo>
+                  <a:lnTo>
+                    <a:pt x="2473591" y="170594"/>
+                  </a:lnTo>
+                  <a:lnTo>
+                    <a:pt x="2473591" y="85297"/>
+                  </a:lnTo>
+                  <a:lnTo>
+                    <a:pt x="2473591" y="0"/>
+                  </a:lnTo>
+                  <a:lnTo>
+                    <a:pt x="2389366" y="1434"/>
+                  </a:lnTo>
+                  <a:lnTo>
+                    <a:pt x="2305239" y="5735"/>
+                  </a:lnTo>
+                  <a:lnTo>
+                    <a:pt x="2221307" y="12898"/>
+                  </a:lnTo>
+                  <a:lnTo>
+                    <a:pt x="2137667" y="22915"/>
+                  </a:lnTo>
+                  <a:lnTo>
+                    <a:pt x="2054417" y="35774"/>
+                  </a:lnTo>
+                  <a:lnTo>
+                    <a:pt x="1971653" y="51461"/>
+                  </a:lnTo>
+                  <a:lnTo>
+                    <a:pt x="1889471" y="69956"/>
+                  </a:lnTo>
+                  <a:lnTo>
+                    <a:pt x="1807967" y="91239"/>
+                  </a:lnTo>
+                  <a:lnTo>
+                    <a:pt x="1727234" y="115284"/>
+                  </a:lnTo>
+                  <a:lnTo>
+                    <a:pt x="1647367" y="142065"/>
+                  </a:lnTo>
+                  <a:lnTo>
+                    <a:pt x="1568459" y="171549"/>
+                  </a:lnTo>
+                  <a:lnTo>
+                    <a:pt x="1490600" y="203703"/>
+                  </a:lnTo>
+                  <a:lnTo>
+                    <a:pt x="1413880" y="238490"/>
+                  </a:lnTo>
+                  <a:lnTo>
+                    <a:pt x="1338390" y="275868"/>
+                  </a:lnTo>
+                  <a:lnTo>
+                    <a:pt x="1264217" y="315795"/>
+                  </a:lnTo>
+                  <a:lnTo>
+                    <a:pt x="1191445" y="358225"/>
+                  </a:lnTo>
+                  <a:lnTo>
+                    <a:pt x="1120161" y="403108"/>
+                  </a:lnTo>
+                  <a:lnTo>
+                    <a:pt x="1050446" y="450392"/>
+                  </a:lnTo>
+                  <a:lnTo>
+                    <a:pt x="982382" y="500023"/>
+                  </a:lnTo>
+                  <a:lnTo>
+                    <a:pt x="916047" y="551942"/>
+                  </a:lnTo>
+                  <a:lnTo>
+                    <a:pt x="851519" y="606090"/>
+                  </a:lnTo>
+                  <a:lnTo>
+                    <a:pt x="788871" y="662403"/>
+                  </a:lnTo>
+                  <a:lnTo>
+                    <a:pt x="728177" y="720817"/>
+                  </a:lnTo>
+                  <a:lnTo>
+                    <a:pt x="669508" y="781264"/>
+                  </a:lnTo>
+                  <a:lnTo>
+                    <a:pt x="612930" y="843673"/>
+                  </a:lnTo>
+                  <a:lnTo>
+                    <a:pt x="558511" y="907973"/>
+                  </a:lnTo>
+                  <a:lnTo>
+                    <a:pt x="506312" y="974088"/>
+                  </a:lnTo>
+                  <a:lnTo>
+                    <a:pt x="456395" y="1041942"/>
+                  </a:lnTo>
+                  <a:lnTo>
+                    <a:pt x="408817" y="1111456"/>
+                  </a:lnTo>
+                  <a:lnTo>
+                    <a:pt x="363633" y="1182551"/>
+                  </a:lnTo>
+                  <a:lnTo>
+                    <a:pt x="320897" y="1255142"/>
+                  </a:lnTo>
+                  <a:lnTo>
+                    <a:pt x="280657" y="1329147"/>
+                  </a:lnTo>
+                  <a:lnTo>
+                    <a:pt x="242960" y="1404478"/>
+                  </a:lnTo>
+                  <a:lnTo>
+                    <a:pt x="207850" y="1481050"/>
+                  </a:lnTo>
+                  <a:lnTo>
+                    <a:pt x="175368" y="1558773"/>
+                  </a:lnTo>
+                  <a:lnTo>
+                    <a:pt x="145551" y="1637556"/>
+                  </a:lnTo>
+                  <a:lnTo>
+                    <a:pt x="118433" y="1717309"/>
+                  </a:lnTo>
+                  <a:lnTo>
+                    <a:pt x="94047" y="1797940"/>
+                  </a:lnTo>
+                  <a:lnTo>
+                    <a:pt x="72421" y="1879354"/>
+                  </a:lnTo>
+                  <a:lnTo>
+                    <a:pt x="53579" y="1961457"/>
+                  </a:lnTo>
+                  <a:lnTo>
+                    <a:pt x="37543" y="2044154"/>
+                  </a:lnTo>
+                  <a:lnTo>
+                    <a:pt x="24333" y="2127349"/>
+                  </a:lnTo>
+                  <a:lnTo>
+                    <a:pt x="13963" y="2210945"/>
+                  </a:lnTo>
+                  <a:lnTo>
+                    <a:pt x="6446" y="2294846"/>
+                  </a:lnTo>
+                  <a:lnTo>
+                    <a:pt x="1789" y="2378955"/>
+                  </a:lnTo>
+                  <a:lnTo>
+                    <a:pt x="0" y="2463173"/>
+                  </a:lnTo>
+                  <a:lnTo>
+                    <a:pt x="1078" y="2547404"/>
+                  </a:lnTo>
+                  <a:lnTo>
+                    <a:pt x="5025" y="2631549"/>
+                  </a:lnTo>
+                  <a:lnTo>
+                    <a:pt x="11834" y="2715510"/>
+                  </a:lnTo>
+                  <a:lnTo>
+                    <a:pt x="21497" y="2799191"/>
+                  </a:lnTo>
+                  <a:lnTo>
+                    <a:pt x="34005" y="2882495"/>
+                  </a:lnTo>
+                  <a:lnTo>
+                    <a:pt x="49342" y="2965324"/>
+                  </a:lnTo>
+                  <a:lnTo>
+                    <a:pt x="67490" y="3047583"/>
+                  </a:lnTo>
+                  <a:lnTo>
+                    <a:pt x="88428" y="3129177"/>
+                  </a:lnTo>
+                  <a:lnTo>
+                    <a:pt x="112133" y="3210010"/>
+                  </a:lnTo>
+                  <a:lnTo>
+                    <a:pt x="138576" y="3289989"/>
+                  </a:lnTo>
+                  <a:lnTo>
+                    <a:pt x="167727" y="3369022"/>
+                  </a:lnTo>
+                  <a:lnTo>
+                    <a:pt x="199552" y="3447016"/>
+                  </a:lnTo>
+                  <a:lnTo>
+                    <a:pt x="234015" y="3523881"/>
+                  </a:lnTo>
+                  <a:lnTo>
+                    <a:pt x="271074" y="3599529"/>
+                  </a:lnTo>
+                  <a:lnTo>
+                    <a:pt x="310688" y="3673870"/>
+                  </a:lnTo>
+                  <a:lnTo>
+                    <a:pt x="352811" y="3746820"/>
+                  </a:lnTo>
+                  <a:lnTo>
+                    <a:pt x="397392" y="3818293"/>
+                  </a:lnTo>
+                  <a:lnTo>
+                    <a:pt x="444382" y="3888207"/>
+                  </a:lnTo>
+                  <a:lnTo>
+                    <a:pt x="493724" y="3956480"/>
+                  </a:lnTo>
+                  <a:lnTo>
+                    <a:pt x="545363" y="4023033"/>
+                  </a:lnTo>
+                  <a:lnTo>
+                    <a:pt x="599238" y="4087790"/>
+                  </a:lnTo>
+                  <a:lnTo>
+                    <a:pt x="655287" y="4150674"/>
+                  </a:lnTo>
+                  <a:lnTo>
+                    <a:pt x="713444" y="4211614"/>
+                  </a:lnTo>
+                  <a:lnTo>
+                    <a:pt x="773642" y="4270538"/>
+                  </a:lnTo>
+                  <a:lnTo>
+                    <a:pt x="835812" y="4327379"/>
+                  </a:lnTo>
+                  <a:lnTo>
+                    <a:pt x="899882" y="4382069"/>
+                  </a:lnTo>
+                  <a:lnTo>
+                    <a:pt x="965776" y="4434546"/>
+                  </a:lnTo>
+                  <a:lnTo>
+                    <a:pt x="1033419" y="4484750"/>
+                  </a:lnTo>
+                  <a:lnTo>
+                    <a:pt x="1102732" y="4532621"/>
+                  </a:lnTo>
+                  <a:lnTo>
+                    <a:pt x="1173635" y="4578104"/>
+                  </a:lnTo>
+                  <a:lnTo>
+                    <a:pt x="1246045" y="4621146"/>
+                  </a:lnTo>
+                  <a:lnTo>
+                    <a:pt x="1319879" y="4661698"/>
+                  </a:lnTo>
+                  <a:lnTo>
+                    <a:pt x="1395051" y="4699712"/>
+                  </a:lnTo>
+                  <a:lnTo>
+                    <a:pt x="1471474" y="4735145"/>
+                  </a:lnTo>
+                  <a:lnTo>
+                    <a:pt x="1549059" y="4767955"/>
+                  </a:lnTo>
+                  <a:lnTo>
+                    <a:pt x="1627716" y="4798105"/>
+                  </a:lnTo>
+                  <a:lnTo>
+                    <a:pt x="1707354" y="4825559"/>
+                  </a:lnTo>
+                  <a:lnTo>
+                    <a:pt x="1787881" y="4850285"/>
+                  </a:lnTo>
+                  <a:lnTo>
+                    <a:pt x="1869203" y="4872255"/>
+                  </a:lnTo>
+                  <a:lnTo>
+                    <a:pt x="1951225" y="4891443"/>
+                  </a:lnTo>
+                  <a:lnTo>
+                    <a:pt x="1969238" y="4808070"/>
+                  </a:lnTo>
+                  <a:lnTo>
+                    <a:pt x="1987251" y="4724696"/>
+                  </a:lnTo>
+                  <a:lnTo>
+                    <a:pt x="2005263" y="4641323"/>
+                  </a:lnTo>
+                  <a:lnTo>
+                    <a:pt x="2023276" y="4557949"/>
+                  </a:lnTo>
+                  <a:lnTo>
+                    <a:pt x="2041288" y="4474576"/>
+                  </a:lnTo>
+                  <a:lnTo>
+                    <a:pt x="2059301" y="4391202"/>
+                  </a:lnTo>
+                  <a:lnTo>
+                    <a:pt x="2077314" y="4307829"/>
+                  </a:lnTo>
+                  <a:lnTo>
+                    <a:pt x="2095326" y="4224455"/>
+                  </a:lnTo>
+                  <a:lnTo>
+                    <a:pt x="2113339" y="4141082"/>
+                  </a:lnTo>
+                  <a:lnTo>
+                    <a:pt x="2131352" y="4057709"/>
+                  </a:lnTo>
+                  <a:lnTo>
+                    <a:pt x="2149364" y="3974335"/>
+                  </a:lnTo>
+                  <a:lnTo>
+                    <a:pt x="2167377" y="3890962"/>
+                  </a:lnTo>
+                  <a:lnTo>
+                    <a:pt x="2185389" y="3807588"/>
+                  </a:lnTo>
+                  <a:lnTo>
+                    <a:pt x="2203402" y="3724215"/>
+                  </a:lnTo>
+                  <a:lnTo>
+                    <a:pt x="2221415" y="3640841"/>
+                  </a:lnTo>
+                  <a:lnTo>
+                    <a:pt x="2239427" y="3557468"/>
+                  </a:lnTo>
+                  <a:lnTo>
+                    <a:pt x="2257440" y="3474095"/>
+                  </a:lnTo>
+                  <a:lnTo>
+                    <a:pt x="2275453" y="3390721"/>
+                  </a:lnTo>
+                  <a:lnTo>
+                    <a:pt x="2293465" y="3307348"/>
+                  </a:lnTo>
+                  <a:lnTo>
+                    <a:pt x="2311478" y="3223974"/>
+                  </a:lnTo>
+                  <a:lnTo>
+                    <a:pt x="2329490" y="3140601"/>
+                  </a:lnTo>
+                  <a:lnTo>
+                    <a:pt x="2347503" y="3057227"/>
+                  </a:lnTo>
+                  <a:lnTo>
+                    <a:pt x="2365516" y="2973854"/>
+                  </a:lnTo>
+                  <a:lnTo>
+                    <a:pt x="2383528" y="2890481"/>
+                  </a:lnTo>
+                  <a:lnTo>
+                    <a:pt x="2401541" y="2807107"/>
+                  </a:lnTo>
+                  <a:lnTo>
+                    <a:pt x="2419554" y="2723734"/>
+                  </a:lnTo>
+                  <a:lnTo>
+                    <a:pt x="2437566" y="2640360"/>
+                  </a:lnTo>
+                  <a:lnTo>
+                    <a:pt x="2455579" y="2556987"/>
                   </a:lnTo>
                   <a:close/>
                 </a:path>
@@ -3706,7 +3706,7 @@
           </p:nvSpPr>
           <p:spPr>
             <a:xfrm>
-              <a:off x="5021550" y="2718312"/>
+              <a:off x="5020929" y="2718218"/>
               <a:ext cx="1301071" cy="203576"/>
             </a:xfrm>
             <a:prstGeom prst="rect">
@@ -3752,8 +3752,8 @@
           </p:nvSpPr>
           <p:spPr>
             <a:xfrm>
-              <a:off x="5521388" y="3075511"/>
-              <a:ext cx="301395" cy="158584"/>
+              <a:off x="5243562" y="3070441"/>
+              <a:ext cx="855806" cy="163560"/>
             </a:xfrm>
             <a:prstGeom prst="rect">
               <a:avLst/>
@@ -3785,7 +3785,7 @@
                   <a:latin typeface="Arial"/>
                   <a:cs typeface="Arial"/>
                 </a:rPr>
-                <a:t> 13</a:t>
+                <a:t> 4.781 %</a:t>
               </a:r>
             </a:p>
           </p:txBody>
@@ -3798,7 +3798,7 @@
           </p:nvSpPr>
           <p:spPr>
             <a:xfrm>
-              <a:off x="5594931" y="2964623"/>
+              <a:off x="5560333" y="2938686"/>
               <a:ext cx="1301071" cy="203576"/>
             </a:xfrm>
             <a:prstGeom prst="rect">
@@ -3844,8 +3844,8 @@
           </p:nvSpPr>
           <p:spPr>
             <a:xfrm>
-              <a:off x="6094769" y="3321821"/>
-              <a:ext cx="301395" cy="158584"/>
+              <a:off x="5722676" y="3290909"/>
+              <a:ext cx="976386" cy="163560"/>
             </a:xfrm>
             <a:prstGeom prst="rect">
               <a:avLst/>
@@ -3877,7 +3877,7 @@
                   <a:latin typeface="Arial"/>
                   <a:cs typeface="Arial"/>
                 </a:rPr>
-                <a:t> 31</a:t>
+                <a:t> 10.359 %</a:t>
               </a:r>
             </a:p>
           </p:txBody>
@@ -3890,7 +3890,7 @@
           </p:nvSpPr>
           <p:spPr>
             <a:xfrm>
-              <a:off x="5595399" y="4701962"/>
+              <a:off x="5622115" y="4663005"/>
               <a:ext cx="1794928" cy="161548"/>
             </a:xfrm>
             <a:prstGeom prst="rect">
@@ -3936,8 +3936,8 @@
           </p:nvSpPr>
           <p:spPr>
             <a:xfrm>
-              <a:off x="6281876" y="5017238"/>
-              <a:ext cx="421974" cy="158478"/>
+              <a:off x="6031386" y="4973200"/>
+              <a:ext cx="976386" cy="163560"/>
             </a:xfrm>
             <a:prstGeom prst="rect">
               <a:avLst/>
@@ -3969,7 +3969,7 @@
                   <a:latin typeface="Arial"/>
                   <a:cs typeface="Arial"/>
                 </a:rPr>
-                <a:t> 101</a:t>
+                <a:t> 38.247 %</a:t>
               </a:r>
             </a:p>
           </p:txBody>
@@ -3982,7 +3982,7 @@
           </p:nvSpPr>
           <p:spPr>
             <a:xfrm>
-              <a:off x="3751160" y="3848147"/>
+              <a:off x="3750660" y="3852747"/>
               <a:ext cx="1011850" cy="160596"/>
             </a:xfrm>
             <a:prstGeom prst="rect">
@@ -4028,8 +4028,8 @@
           </p:nvSpPr>
           <p:spPr>
             <a:xfrm>
-              <a:off x="4046098" y="4162471"/>
-              <a:ext cx="421974" cy="158478"/>
+              <a:off x="3768392" y="4161989"/>
+              <a:ext cx="976386" cy="163560"/>
             </a:xfrm>
             <a:prstGeom prst="rect">
               <a:avLst/>
@@ -4061,7 +4061,7 @@
                   <a:latin typeface="Arial"/>
                   <a:cs typeface="Arial"/>
                 </a:rPr>
-                <a:t> 126</a:t>
+                <a:t> 46.614 %</a:t>
               </a:r>
             </a:p>
           </p:txBody>
